--- a/附件/HOOK插件原理图.pptx
+++ b/附件/HOOK插件原理图.pptx
@@ -115,7 +115,7 @@
   </p:defaultTextStyle>
   <p:extLst>
     <p:ext uri="{EFAFB233-063F-42B5-8137-9DF3F51BA10A}">
-      <p15:sldGuideLst xmlns="" xmlns:p15="http://schemas.microsoft.com/office/powerpoint/2012/main">
+      <p15:sldGuideLst xmlns:p15="http://schemas.microsoft.com/office/powerpoint/2012/main">
         <p15:guide id="1" orient="horz" pos="1620">
           <p15:clr>
             <a:srgbClr val="A4A3A4"/>
@@ -129,7 +129,7 @@
       </p15:sldGuideLst>
     </p:ext>
     <p:ext uri="{2D200454-40CA-4A62-9FC3-DE9A4176ACB9}">
-      <p15:notesGuideLst xmlns="" xmlns:p15="http://schemas.microsoft.com/office/powerpoint/2012/main">
+      <p15:notesGuideLst xmlns:p15="http://schemas.microsoft.com/office/powerpoint/2012/main">
         <p15:guide id="1" orient="horz" pos="2880">
           <p15:clr>
             <a:srgbClr val="A4A3A4"/>
@@ -229,7 +229,7 @@
             <a:fld id="{8A67DD0A-9044-4D18-9C18-8B428ED92850}" type="datetimeFigureOut">
               <a:rPr lang="zh-CN" altLang="en-US" smtClean="0"/>
               <a:pPr/>
-              <a:t>2018/11/29</a:t>
+              <a:t>2019/8/13</a:t>
             </a:fld>
             <a:endParaRPr lang="zh-CN" altLang="en-US"/>
           </a:p>
@@ -305,7 +305,7 @@
     </p:spTree>
     <p:extLst>
       <p:ext uri="{BB962C8B-B14F-4D97-AF65-F5344CB8AC3E}">
-        <p14:creationId xmlns="" xmlns:p14="http://schemas.microsoft.com/office/powerpoint/2010/main" val="2472913583"/>
+        <p14:creationId xmlns:p14="http://schemas.microsoft.com/office/powerpoint/2010/main" val="2472913583"/>
       </p:ext>
     </p:extLst>
   </p:cSld>
@@ -396,7 +396,7 @@
             <a:fld id="{29387C70-E853-4894-BF07-D2F4B19C8F53}" type="datetimeFigureOut">
               <a:rPr lang="zh-CN" altLang="en-US" smtClean="0"/>
               <a:pPr/>
-              <a:t>2018/11/29</a:t>
+              <a:t>2019/8/13</a:t>
             </a:fld>
             <a:endParaRPr lang="zh-CN" altLang="en-US"/>
           </a:p>
@@ -565,7 +565,7 @@
     </p:spTree>
     <p:extLst>
       <p:ext uri="{BB962C8B-B14F-4D97-AF65-F5344CB8AC3E}">
-        <p14:creationId xmlns="" xmlns:p14="http://schemas.microsoft.com/office/powerpoint/2010/main" val="930098390"/>
+        <p14:creationId xmlns:p14="http://schemas.microsoft.com/office/powerpoint/2010/main" val="930098390"/>
       </p:ext>
     </p:extLst>
   </p:cSld>
@@ -709,6 +709,65 @@
           <a:bodyPr/>
           <a:lstStyle/>
           <a:p>
+            <a:r>
+              <a:rPr lang="zh-CN" altLang="en-US" smtClean="0"/>
+              <a:t>当父进程创建子进程后，必须为子进程创建一个主线程，然后等待操作系统调度它。所以主进程调用</a:t>
+            </a:r>
+            <a:r>
+              <a:rPr lang="en-US" altLang="zh-CN" smtClean="0"/>
+              <a:t>NtResumeThread</a:t>
+            </a:r>
+            <a:r>
+              <a:rPr lang="zh-CN" altLang="en-US" smtClean="0"/>
+              <a:t>的时候，就是我们</a:t>
+            </a:r>
+            <a:r>
+              <a:rPr lang="en-US" altLang="zh-CN" smtClean="0"/>
+              <a:t>Hook</a:t>
+            </a:r>
+            <a:r>
+              <a:rPr lang="zh-CN" altLang="en-US" smtClean="0"/>
+              <a:t>的最佳时机，因为此时创建进程的主要工作已经完成，但是子进程并没有调度起来。</a:t>
+            </a:r>
+            <a:endParaRPr lang="en-US" altLang="zh-CN" smtClean="0"/>
+          </a:p>
+          <a:p>
+            <a:r>
+              <a:rPr lang="zh-CN" altLang="en-US" smtClean="0"/>
+              <a:t>可通过</a:t>
+            </a:r>
+            <a:r>
+              <a:rPr lang="en-US" altLang="zh-CN" smtClean="0"/>
+              <a:t>NtResumeThread</a:t>
+            </a:r>
+            <a:r>
+              <a:rPr lang="zh-CN" altLang="en-US" smtClean="0"/>
+              <a:t>的第一个参数即子进程的主线程</a:t>
+            </a:r>
+            <a:r>
+              <a:rPr lang="en-US" altLang="zh-CN" smtClean="0"/>
+              <a:t>ID</a:t>
+            </a:r>
+            <a:r>
+              <a:rPr lang="zh-CN" altLang="en-US" smtClean="0"/>
+              <a:t>来获取子进程</a:t>
+            </a:r>
+            <a:r>
+              <a:rPr lang="en-US" altLang="zh-CN" smtClean="0"/>
+              <a:t>ID</a:t>
+            </a:r>
+            <a:r>
+              <a:rPr lang="zh-CN" altLang="en-US" smtClean="0"/>
+              <a:t>，并完成</a:t>
+            </a:r>
+            <a:r>
+              <a:rPr lang="en-US" altLang="zh-CN" smtClean="0"/>
+              <a:t>HOOK</a:t>
+            </a:r>
+            <a:r>
+              <a:rPr lang="zh-CN" altLang="en-US" smtClean="0"/>
+              <a:t>。</a:t>
+            </a:r>
             <a:endParaRPr lang="zh-CN" altLang="en-US" dirty="0"/>
           </a:p>
         </p:txBody>
@@ -740,7 +799,7 @@
     </p:spTree>
     <p:extLst>
       <p:ext uri="{BB962C8B-B14F-4D97-AF65-F5344CB8AC3E}">
-        <p14:creationId xmlns="" xmlns:p14="http://schemas.microsoft.com/office/powerpoint/2010/main" val="2498529326"/>
+        <p14:creationId xmlns:p14="http://schemas.microsoft.com/office/powerpoint/2010/main" val="2498529326"/>
       </p:ext>
     </p:extLst>
   </p:cSld>
@@ -770,7 +829,7 @@
     </p:spTree>
     <p:extLst>
       <p:ext uri="{BB962C8B-B14F-4D97-AF65-F5344CB8AC3E}">
-        <p14:creationId xmlns="" xmlns:p14="http://schemas.microsoft.com/office/powerpoint/2010/main" val="4261245481"/>
+        <p14:creationId xmlns:p14="http://schemas.microsoft.com/office/powerpoint/2010/main" val="4261245481"/>
       </p:ext>
     </p:extLst>
   </p:cSld>
@@ -898,7 +957,7 @@
             <a:fld id="{F31A8091-7EE4-41B5-8137-A62B04FCA6E6}" type="datetimeFigureOut">
               <a:rPr lang="zh-CN" altLang="en-US" smtClean="0"/>
               <a:pPr/>
-              <a:t>2018/11/29</a:t>
+              <a:t>2019/8/13</a:t>
             </a:fld>
             <a:endParaRPr lang="zh-CN" altLang="en-US"/>
           </a:p>
@@ -950,7 +1009,7 @@
     </p:spTree>
     <p:extLst>
       <p:ext uri="{BB962C8B-B14F-4D97-AF65-F5344CB8AC3E}">
-        <p14:creationId xmlns="" xmlns:p14="http://schemas.microsoft.com/office/powerpoint/2010/main" val="3778608446"/>
+        <p14:creationId xmlns:p14="http://schemas.microsoft.com/office/powerpoint/2010/main" val="3778608446"/>
       </p:ext>
     </p:extLst>
   </p:cSld>
@@ -1081,7 +1140,7 @@
             <a:fld id="{F31A8091-7EE4-41B5-8137-A62B04FCA6E6}" type="datetimeFigureOut">
               <a:rPr lang="zh-CN" altLang="en-US" smtClean="0"/>
               <a:pPr/>
-              <a:t>2018/11/29</a:t>
+              <a:t>2019/8/13</a:t>
             </a:fld>
             <a:endParaRPr lang="zh-CN" altLang="en-US"/>
           </a:p>
@@ -1133,7 +1192,7 @@
     </p:spTree>
     <p:extLst>
       <p:ext uri="{BB962C8B-B14F-4D97-AF65-F5344CB8AC3E}">
-        <p14:creationId xmlns="" xmlns:p14="http://schemas.microsoft.com/office/powerpoint/2010/main" val="1874625225"/>
+        <p14:creationId xmlns:p14="http://schemas.microsoft.com/office/powerpoint/2010/main" val="1874625225"/>
       </p:ext>
     </p:extLst>
   </p:cSld>
@@ -2104,7 +2163,7 @@
     </p:spTree>
     <p:extLst>
       <p:ext uri="{BB962C8B-B14F-4D97-AF65-F5344CB8AC3E}">
-        <p14:creationId xmlns="" xmlns:p14="http://schemas.microsoft.com/office/powerpoint/2010/main" val="1425028080"/>
+        <p14:creationId xmlns:p14="http://schemas.microsoft.com/office/powerpoint/2010/main" val="1425028080"/>
       </p:ext>
     </p:extLst>
   </p:cSld>
@@ -2112,8 +2171,8 @@
     <a:masterClrMapping/>
   </p:clrMapOvr>
   <p:transition spd="med" advTm="0"/>
-  <mc:AlternateContent xmlns:mc="http://schemas.openxmlformats.org/markup-compatibility/2006">
-    <mc:Choice xmlns="" xmlns:p14="http://schemas.microsoft.com/office/powerpoint/2010/main" Requires="p14">
+  <mc:AlternateContent xmlns:mc="http://schemas.openxmlformats.org/markup-compatibility/2006" xmlns:p14="http://schemas.microsoft.com/office/powerpoint/2010/main">
+    <mc:Choice Requires="p14">
       <p:timing>
         <p:tnLst>
           <p:par>
@@ -2620,7 +2679,7 @@
         </p:bldLst>
       </p:timing>
     </mc:Choice>
-    <mc:Fallback>
+    <mc:Fallback xmlns="">
       <p:timing>
         <p:tnLst>
           <p:par>
@@ -3151,7 +3210,7 @@
     </p:spTree>
     <p:extLst>
       <p:ext uri="{BB962C8B-B14F-4D97-AF65-F5344CB8AC3E}">
-        <p14:creationId xmlns="" xmlns:p14="http://schemas.microsoft.com/office/powerpoint/2010/main" val="1478642778"/>
+        <p14:creationId xmlns:p14="http://schemas.microsoft.com/office/powerpoint/2010/main" val="1478642778"/>
       </p:ext>
     </p:extLst>
   </p:cSld>
@@ -3224,7 +3283,7 @@
     </p:spTree>
     <p:extLst>
       <p:ext uri="{BB962C8B-B14F-4D97-AF65-F5344CB8AC3E}">
-        <p14:creationId xmlns="" xmlns:p14="http://schemas.microsoft.com/office/powerpoint/2010/main" val="3951341292"/>
+        <p14:creationId xmlns:p14="http://schemas.microsoft.com/office/powerpoint/2010/main" val="3951341292"/>
       </p:ext>
     </p:extLst>
   </p:cSld>
@@ -3470,7 +3529,7 @@
             <a:fld id="{F31A8091-7EE4-41B5-8137-A62B04FCA6E6}" type="datetimeFigureOut">
               <a:rPr lang="zh-CN" altLang="en-US" smtClean="0"/>
               <a:pPr/>
-              <a:t>2018/11/29</a:t>
+              <a:t>2019/8/13</a:t>
             </a:fld>
             <a:endParaRPr lang="zh-CN" altLang="en-US"/>
           </a:p>
@@ -3522,7 +3581,7 @@
     </p:spTree>
     <p:extLst>
       <p:ext uri="{BB962C8B-B14F-4D97-AF65-F5344CB8AC3E}">
-        <p14:creationId xmlns="" xmlns:p14="http://schemas.microsoft.com/office/powerpoint/2010/main" val="1985759757"/>
+        <p14:creationId xmlns:p14="http://schemas.microsoft.com/office/powerpoint/2010/main" val="1985759757"/>
       </p:ext>
     </p:extLst>
   </p:cSld>
@@ -3900,7 +3959,7 @@
             <a:fld id="{F31A8091-7EE4-41B5-8137-A62B04FCA6E6}" type="datetimeFigureOut">
               <a:rPr lang="zh-CN" altLang="en-US" smtClean="0"/>
               <a:pPr/>
-              <a:t>2018/11/29</a:t>
+              <a:t>2019/8/13</a:t>
             </a:fld>
             <a:endParaRPr lang="zh-CN" altLang="en-US"/>
           </a:p>
@@ -3952,7 +4011,7 @@
     </p:spTree>
     <p:extLst>
       <p:ext uri="{BB962C8B-B14F-4D97-AF65-F5344CB8AC3E}">
-        <p14:creationId xmlns="" xmlns:p14="http://schemas.microsoft.com/office/powerpoint/2010/main" val="3658644646"/>
+        <p14:creationId xmlns:p14="http://schemas.microsoft.com/office/powerpoint/2010/main" val="3658644646"/>
       </p:ext>
     </p:extLst>
   </p:cSld>
@@ -4021,7 +4080,7 @@
             <a:fld id="{F31A8091-7EE4-41B5-8137-A62B04FCA6E6}" type="datetimeFigureOut">
               <a:rPr lang="zh-CN" altLang="en-US" smtClean="0"/>
               <a:pPr/>
-              <a:t>2018/11/29</a:t>
+              <a:t>2019/8/13</a:t>
             </a:fld>
             <a:endParaRPr lang="zh-CN" altLang="en-US"/>
           </a:p>
@@ -4073,7 +4132,7 @@
     </p:spTree>
     <p:extLst>
       <p:ext uri="{BB962C8B-B14F-4D97-AF65-F5344CB8AC3E}">
-        <p14:creationId xmlns="" xmlns:p14="http://schemas.microsoft.com/office/powerpoint/2010/main" val="740331868"/>
+        <p14:creationId xmlns:p14="http://schemas.microsoft.com/office/powerpoint/2010/main" val="740331868"/>
       </p:ext>
     </p:extLst>
   </p:cSld>
@@ -4119,7 +4178,7 @@
             <a:fld id="{F31A8091-7EE4-41B5-8137-A62B04FCA6E6}" type="datetimeFigureOut">
               <a:rPr lang="zh-CN" altLang="en-US" smtClean="0"/>
               <a:pPr/>
-              <a:t>2018/11/29</a:t>
+              <a:t>2019/8/13</a:t>
             </a:fld>
             <a:endParaRPr lang="zh-CN" altLang="en-US"/>
           </a:p>
@@ -4171,7 +4230,7 @@
     </p:spTree>
     <p:extLst>
       <p:ext uri="{BB962C8B-B14F-4D97-AF65-F5344CB8AC3E}">
-        <p14:creationId xmlns="" xmlns:p14="http://schemas.microsoft.com/office/powerpoint/2010/main" val="3444055827"/>
+        <p14:creationId xmlns:p14="http://schemas.microsoft.com/office/powerpoint/2010/main" val="3444055827"/>
       </p:ext>
     </p:extLst>
   </p:cSld>
@@ -4406,7 +4465,7 @@
             <a:fld id="{F31A8091-7EE4-41B5-8137-A62B04FCA6E6}" type="datetimeFigureOut">
               <a:rPr lang="zh-CN" altLang="en-US" smtClean="0"/>
               <a:pPr/>
-              <a:t>2018/11/29</a:t>
+              <a:t>2019/8/13</a:t>
             </a:fld>
             <a:endParaRPr lang="zh-CN" altLang="en-US"/>
           </a:p>
@@ -4458,7 +4517,7 @@
     </p:spTree>
     <p:extLst>
       <p:ext uri="{BB962C8B-B14F-4D97-AF65-F5344CB8AC3E}">
-        <p14:creationId xmlns="" xmlns:p14="http://schemas.microsoft.com/office/powerpoint/2010/main" val="3899440134"/>
+        <p14:creationId xmlns:p14="http://schemas.microsoft.com/office/powerpoint/2010/main" val="3899440134"/>
       </p:ext>
     </p:extLst>
   </p:cSld>
@@ -4669,7 +4728,7 @@
             <a:fld id="{F31A8091-7EE4-41B5-8137-A62B04FCA6E6}" type="datetimeFigureOut">
               <a:rPr lang="zh-CN" altLang="en-US" smtClean="0"/>
               <a:pPr/>
-              <a:t>2018/11/29</a:t>
+              <a:t>2019/8/13</a:t>
             </a:fld>
             <a:endParaRPr lang="zh-CN" altLang="en-US"/>
           </a:p>
@@ -4721,7 +4780,7 @@
     </p:spTree>
     <p:extLst>
       <p:ext uri="{BB962C8B-B14F-4D97-AF65-F5344CB8AC3E}">
-        <p14:creationId xmlns="" xmlns:p14="http://schemas.microsoft.com/office/powerpoint/2010/main" val="596530106"/>
+        <p14:creationId xmlns:p14="http://schemas.microsoft.com/office/powerpoint/2010/main" val="596530106"/>
       </p:ext>
     </p:extLst>
   </p:cSld>
@@ -4888,7 +4947,7 @@
             <a:fld id="{F31A8091-7EE4-41B5-8137-A62B04FCA6E6}" type="datetimeFigureOut">
               <a:rPr lang="zh-CN" altLang="en-US" smtClean="0"/>
               <a:pPr/>
-              <a:t>2018/11/29</a:t>
+              <a:t>2019/8/13</a:t>
             </a:fld>
             <a:endParaRPr lang="zh-CN" altLang="en-US"/>
           </a:p>
@@ -4976,7 +5035,7 @@
     </p:spTree>
     <p:extLst>
       <p:ext uri="{BB962C8B-B14F-4D97-AF65-F5344CB8AC3E}">
-        <p14:creationId xmlns="" xmlns:p14="http://schemas.microsoft.com/office/powerpoint/2010/main" val="2478423269"/>
+        <p14:creationId xmlns:p14="http://schemas.microsoft.com/office/powerpoint/2010/main" val="2478423269"/>
       </p:ext>
     </p:extLst>
   </p:cSld>
@@ -7815,20 +7874,19 @@
         <p:nvCxnSpPr>
           <p:cNvPr id="225" name="形状 224"/>
           <p:cNvCxnSpPr>
-            <a:stCxn id="191" idx="1"/>
+            <a:stCxn id="44" idx="2"/>
             <a:endCxn id="133" idx="0"/>
           </p:cNvCxnSpPr>
           <p:nvPr/>
         </p:nvCxnSpPr>
         <p:spPr>
-          <a:xfrm rot="10800000">
-            <a:off x="1437948" y="2283718"/>
-            <a:ext cx="2269956" cy="72008"/>
+          <a:xfrm rot="5400000">
+            <a:off x="2111837" y="1249789"/>
+            <a:ext cx="360040" cy="1707818"/>
           </a:xfrm>
-          <a:prstGeom prst="bentConnector4">
+          <a:prstGeom prst="bentConnector3">
             <a:avLst>
-              <a:gd name="adj1" fmla="val 35725"/>
-              <a:gd name="adj2" fmla="val 417465"/>
+              <a:gd name="adj1" fmla="val 50000"/>
             </a:avLst>
           </a:prstGeom>
           <a:ln w="3175">
@@ -7976,7 +8034,7 @@
     </p:spTree>
     <p:extLst>
       <p:ext uri="{BB962C8B-B14F-4D97-AF65-F5344CB8AC3E}">
-        <p14:creationId xmlns="" xmlns:p14="http://schemas.microsoft.com/office/powerpoint/2010/main" val="2944286563"/>
+        <p14:creationId xmlns:p14="http://schemas.microsoft.com/office/powerpoint/2010/main" val="2944286563"/>
       </p:ext>
     </p:extLst>
   </p:cSld>
